--- a/Week12/Week 12 - 02. Test-Driven Development.pptx
+++ b/Week12/Week 12 - 02. Test-Driven Development.pptx
@@ -115,6 +115,50 @@
 </p:presentation>
 </file>
 
+<file path=ppt/changesInfos/changesInfo1.xml><?xml version="1.0" encoding="utf-8"?>
+<pc:chgInfo xmlns:a="http://schemas.openxmlformats.org/drawingml/2006/main" xmlns:r="http://schemas.openxmlformats.org/officeDocument/2006/relationships" xmlns:ac="http://schemas.microsoft.com/office/drawing/2013/main/command" xmlns:pc="http://schemas.microsoft.com/office/powerpoint/2013/main/command">
+  <pc:docChgLst>
+    <pc:chgData name="Chuck Kiefriter" userId="a996b49251c4dfd2" providerId="LiveId" clId="{65E5C153-387B-4577-9C55-F4D22585840E}"/>
+    <pc:docChg chg="modSld">
+      <pc:chgData name="Chuck Kiefriter" userId="a996b49251c4dfd2" providerId="LiveId" clId="{65E5C153-387B-4577-9C55-F4D22585840E}" dt="2024-03-06T00:34:26.529" v="5" actId="20577"/>
+      <pc:docMkLst>
+        <pc:docMk/>
+      </pc:docMkLst>
+      <pc:sldChg chg="modSp mod">
+        <pc:chgData name="Chuck Kiefriter" userId="a996b49251c4dfd2" providerId="LiveId" clId="{65E5C153-387B-4577-9C55-F4D22585840E}" dt="2024-03-06T00:34:26.529" v="5" actId="20577"/>
+        <pc:sldMkLst>
+          <pc:docMk/>
+          <pc:sldMk cId="668398778" sldId="257"/>
+        </pc:sldMkLst>
+        <pc:spChg chg="mod">
+          <ac:chgData name="Chuck Kiefriter" userId="a996b49251c4dfd2" providerId="LiveId" clId="{65E5C153-387B-4577-9C55-F4D22585840E}" dt="2024-03-06T00:34:26.529" v="5" actId="20577"/>
+          <ac:spMkLst>
+            <pc:docMk/>
+            <pc:sldMk cId="668398778" sldId="257"/>
+            <ac:spMk id="3" creationId="{11E3AEF7-69F4-43D1-BF47-D59DA5DF867D}"/>
+          </ac:spMkLst>
+        </pc:spChg>
+      </pc:sldChg>
+      <pc:sldChg chg="modSp mod">
+        <pc:chgData name="Chuck Kiefriter" userId="a996b49251c4dfd2" providerId="LiveId" clId="{65E5C153-387B-4577-9C55-F4D22585840E}" dt="2024-03-05T22:09:05.919" v="0" actId="14100"/>
+        <pc:sldMkLst>
+          <pc:docMk/>
+          <pc:sldMk cId="1743936699" sldId="259"/>
+        </pc:sldMkLst>
+        <pc:spChg chg="mod">
+          <ac:chgData name="Chuck Kiefriter" userId="a996b49251c4dfd2" providerId="LiveId" clId="{65E5C153-387B-4577-9C55-F4D22585840E}" dt="2024-03-05T22:09:05.919" v="0" actId="14100"/>
+          <ac:spMkLst>
+            <pc:docMk/>
+            <pc:sldMk cId="1743936699" sldId="259"/>
+            <ac:spMk id="3" creationId="{62373C56-7675-4FE2-AC53-5E947C457E4C}"/>
+          </ac:spMkLst>
+        </pc:spChg>
+      </pc:sldChg>
+    </pc:docChg>
+  </pc:docChgLst>
+</pc:chgInfo>
+</file>
+
 <file path=ppt/slideLayouts/slideLayout1.xml><?xml version="1.0" encoding="utf-8"?>
 <p:sldLayout xmlns:a="http://schemas.openxmlformats.org/drawingml/2006/main" xmlns:r="http://schemas.openxmlformats.org/officeDocument/2006/relationships" xmlns:p="http://schemas.openxmlformats.org/presentationml/2006/main" showMasterSp="0" type="title" preserve="1">
   <p:cSld name="Title Slide">
@@ -311,7 +355,7 @@
           <a:p>
             <a:fld id="{548C5E67-172B-4F6A-B3B9-DEF72F952E5B}" type="datetimeFigureOut">
               <a:rPr lang="en-US" smtClean="0"/>
-              <a:t>8/10/2021</a:t>
+              <a:t>3/5/2024</a:t>
             </a:fld>
             <a:endParaRPr lang="en-US"/>
           </a:p>
@@ -535,7 +579,7 @@
           <a:p>
             <a:fld id="{548C5E67-172B-4F6A-B3B9-DEF72F952E5B}" type="datetimeFigureOut">
               <a:rPr lang="en-US" smtClean="0"/>
-              <a:t>8/10/2021</a:t>
+              <a:t>3/5/2024</a:t>
             </a:fld>
             <a:endParaRPr lang="en-US"/>
           </a:p>
@@ -715,7 +759,7 @@
           <a:p>
             <a:fld id="{548C5E67-172B-4F6A-B3B9-DEF72F952E5B}" type="datetimeFigureOut">
               <a:rPr lang="en-US" smtClean="0"/>
-              <a:t>8/10/2021</a:t>
+              <a:t>3/5/2024</a:t>
             </a:fld>
             <a:endParaRPr lang="en-US"/>
           </a:p>
@@ -924,7 +968,7 @@
           <a:p>
             <a:fld id="{548C5E67-172B-4F6A-B3B9-DEF72F952E5B}" type="datetimeFigureOut">
               <a:rPr lang="en-US" smtClean="0"/>
-              <a:t>8/10/2021</a:t>
+              <a:t>3/5/2024</a:t>
             </a:fld>
             <a:endParaRPr lang="en-US"/>
           </a:p>
@@ -1217,7 +1261,7 @@
           <a:p>
             <a:fld id="{548C5E67-172B-4F6A-B3B9-DEF72F952E5B}" type="datetimeFigureOut">
               <a:rPr lang="en-US" smtClean="0"/>
-              <a:t>8/10/2021</a:t>
+              <a:t>3/5/2024</a:t>
             </a:fld>
             <a:endParaRPr lang="en-US"/>
           </a:p>
@@ -1570,7 +1614,7 @@
           <a:p>
             <a:fld id="{548C5E67-172B-4F6A-B3B9-DEF72F952E5B}" type="datetimeFigureOut">
               <a:rPr lang="en-US" smtClean="0"/>
-              <a:t>8/10/2021</a:t>
+              <a:t>3/5/2024</a:t>
             </a:fld>
             <a:endParaRPr lang="en-US"/>
           </a:p>
@@ -2006,7 +2050,7 @@
           <a:p>
             <a:fld id="{548C5E67-172B-4F6A-B3B9-DEF72F952E5B}" type="datetimeFigureOut">
               <a:rPr lang="en-US" smtClean="0"/>
-              <a:t>8/10/2021</a:t>
+              <a:t>3/5/2024</a:t>
             </a:fld>
             <a:endParaRPr lang="en-US"/>
           </a:p>
@@ -2129,7 +2173,7 @@
           <a:p>
             <a:fld id="{548C5E67-172B-4F6A-B3B9-DEF72F952E5B}" type="datetimeFigureOut">
               <a:rPr lang="en-US" smtClean="0"/>
-              <a:t>8/10/2021</a:t>
+              <a:t>3/5/2024</a:t>
             </a:fld>
             <a:endParaRPr lang="en-US"/>
           </a:p>
@@ -2224,7 +2268,7 @@
           <a:p>
             <a:fld id="{548C5E67-172B-4F6A-B3B9-DEF72F952E5B}" type="datetimeFigureOut">
               <a:rPr lang="en-US" smtClean="0"/>
-              <a:t>8/10/2021</a:t>
+              <a:t>3/5/2024</a:t>
             </a:fld>
             <a:endParaRPr lang="en-US"/>
           </a:p>
@@ -2523,7 +2567,7 @@
           <a:p>
             <a:fld id="{548C5E67-172B-4F6A-B3B9-DEF72F952E5B}" type="datetimeFigureOut">
               <a:rPr lang="en-US" smtClean="0"/>
-              <a:t>8/10/2021</a:t>
+              <a:t>3/5/2024</a:t>
             </a:fld>
             <a:endParaRPr lang="en-US"/>
           </a:p>
@@ -2800,7 +2844,7 @@
           <a:p>
             <a:fld id="{548C5E67-172B-4F6A-B3B9-DEF72F952E5B}" type="datetimeFigureOut">
               <a:rPr lang="en-US" smtClean="0"/>
-              <a:t>8/10/2021</a:t>
+              <a:t>3/5/2024</a:t>
             </a:fld>
             <a:endParaRPr lang="en-US"/>
           </a:p>
@@ -3050,7 +3094,7 @@
           <a:p>
             <a:fld id="{548C5E67-172B-4F6A-B3B9-DEF72F952E5B}" type="datetimeFigureOut">
               <a:rPr lang="en-US" smtClean="0"/>
-              <a:t>8/10/2021</a:t>
+              <a:t>3/5/2024</a:t>
             </a:fld>
             <a:endParaRPr lang="en-US"/>
           </a:p>
@@ -3678,7 +3722,12 @@
             <p:ph idx="1"/>
           </p:nvPr>
         </p:nvSpPr>
-        <p:spPr/>
+        <p:spPr>
+          <a:xfrm>
+            <a:off x="1261872" y="1828800"/>
+            <a:ext cx="9582912" cy="4351337"/>
+          </a:xfrm>
+        </p:spPr>
         <p:txBody>
           <a:bodyPr/>
           <a:lstStyle/>
@@ -3715,11 +3764,26 @@
                   <a:srgbClr val="FF9900"/>
                 </a:solidFill>
               </a:rPr>
-              <a:t>two people</a:t>
-            </a:r>
-            <a:r>
-              <a:rPr lang="en-US" dirty="0"/>
-              <a:t> (</a:t>
+              <a:t>two </a:t>
+            </a:r>
+            <a:r>
+              <a:rPr lang="en-US">
+                <a:solidFill>
+                  <a:srgbClr val="FF9900"/>
+                </a:solidFill>
+              </a:rPr>
+              <a:t>people</a:t>
+            </a:r>
+            <a:r>
+              <a:rPr lang="en-US"/>
+              <a:t> </a:t>
+            </a:r>
+            <a:br>
+              <a:rPr lang="en-US"/>
+            </a:br>
+            <a:r>
+              <a:rPr lang="en-US"/>
+              <a:t>(</a:t>
             </a:r>
             <a:r>
               <a:rPr lang="en-US" dirty="0" err="1"/>
@@ -3917,7 +3981,12 @@
             <p:ph idx="1"/>
           </p:nvPr>
         </p:nvSpPr>
-        <p:spPr/>
+        <p:spPr>
+          <a:xfrm>
+            <a:off x="1261872" y="1828800"/>
+            <a:ext cx="9189720" cy="4351337"/>
+          </a:xfrm>
+        </p:spPr>
         <p:txBody>
           <a:bodyPr/>
           <a:lstStyle/>
